--- a/組語project.pptx
+++ b/組語project.pptx
@@ -112,6 +112,11 @@
       </a:defRPr>
     </a:lvl9pPr>
   </p:defaultTextStyle>
+  <p:extLst>
+    <p:ext uri="{EFAFB233-063F-42B5-8137-9DF3F51BA10A}">
+      <p15:sldGuideLst xmlns:p15="http://schemas.microsoft.com/office/powerpoint/2012/main"/>
+    </p:ext>
+  </p:extLst>
 </p:presentation>
 </file>
 
@@ -212,6 +217,11 @@
               </a:ln>
               <a:effectLst/>
             </c:spPr>
+            <c:extLst>
+              <c:ext xmlns:c16="http://schemas.microsoft.com/office/drawing/2014/chart" uri="{C3380CC4-5D6E-409C-BE32-E72D297353CC}">
+                <c16:uniqueId val="{00000003-6422-4271-AEDD-21A83E95A14D}"/>
+              </c:ext>
+            </c:extLst>
           </c:dPt>
           <c:cat>
             <c:strRef>
@@ -1735,6 +1745,19 @@
             <a:rPr lang="zh-TW" altLang="en-US" dirty="0"/>
             <a:t>將分數寫入檔案並處理</a:t>
           </a:r>
+          <a:r>
+            <a:rPr lang="en-US" altLang="zh-TW" dirty="0"/>
+            <a:t>(</a:t>
+          </a:r>
+          <a:r>
+            <a:rPr lang="zh-TW" altLang="en-US" dirty="0"/>
+            <a:t>未來</a:t>
+          </a:r>
+          <a:r>
+            <a:rPr lang="en-US" altLang="zh-TW" dirty="0"/>
+            <a:t>)</a:t>
+          </a:r>
+          <a:endParaRPr lang="zh-TW" altLang="en-US" dirty="0"/>
         </a:p>
       </dgm:t>
     </dgm:pt>
@@ -2301,6 +2324,19 @@
             <a:rPr lang="zh-TW" altLang="en-US" sz="1800" kern="1200" dirty="0"/>
             <a:t>將分數寫入檔案並處理</a:t>
           </a:r>
+          <a:r>
+            <a:rPr lang="en-US" altLang="zh-TW" sz="1800" kern="1200" dirty="0"/>
+            <a:t>(</a:t>
+          </a:r>
+          <a:r>
+            <a:rPr lang="zh-TW" altLang="en-US" sz="1800" kern="1200" dirty="0"/>
+            <a:t>未來</a:t>
+          </a:r>
+          <a:r>
+            <a:rPr lang="en-US" altLang="zh-TW" sz="1800" kern="1200" dirty="0"/>
+            <a:t>)</a:t>
+          </a:r>
+          <a:endParaRPr lang="zh-TW" altLang="en-US" sz="1800" kern="1200" dirty="0"/>
         </a:p>
       </dsp:txBody>
       <dsp:txXfrm rot="-5400000">
@@ -5128,7 +5164,7 @@
           <a:p>
             <a:fld id="{9CFD5223-E741-4CBD-B02A-5B000E15A94E}" type="datetimeFigureOut">
               <a:rPr lang="zh-TW" altLang="en-US" smtClean="0"/>
-              <a:t>2021/12/26</a:t>
+              <a:t>2021/12/27</a:t>
             </a:fld>
             <a:endParaRPr lang="zh-TW" altLang="en-US"/>
           </a:p>
@@ -5379,7 +5415,7 @@
           <a:p>
             <a:fld id="{9CFD5223-E741-4CBD-B02A-5B000E15A94E}" type="datetimeFigureOut">
               <a:rPr lang="zh-TW" altLang="en-US" smtClean="0"/>
-              <a:t>2021/12/26</a:t>
+              <a:t>2021/12/27</a:t>
             </a:fld>
             <a:endParaRPr lang="zh-TW" altLang="en-US"/>
           </a:p>
@@ -5693,7 +5729,7 @@
           <a:p>
             <a:fld id="{9CFD5223-E741-4CBD-B02A-5B000E15A94E}" type="datetimeFigureOut">
               <a:rPr lang="zh-TW" altLang="en-US" smtClean="0"/>
-              <a:t>2021/12/26</a:t>
+              <a:t>2021/12/27</a:t>
             </a:fld>
             <a:endParaRPr lang="zh-TW" altLang="en-US"/>
           </a:p>
@@ -6034,7 +6070,7 @@
           <a:p>
             <a:fld id="{9CFD5223-E741-4CBD-B02A-5B000E15A94E}" type="datetimeFigureOut">
               <a:rPr lang="zh-TW" altLang="en-US" smtClean="0"/>
-              <a:t>2021/12/26</a:t>
+              <a:t>2021/12/27</a:t>
             </a:fld>
             <a:endParaRPr lang="zh-TW" altLang="en-US"/>
           </a:p>
@@ -6348,7 +6384,7 @@
           <a:p>
             <a:fld id="{9CFD5223-E741-4CBD-B02A-5B000E15A94E}" type="datetimeFigureOut">
               <a:rPr lang="zh-TW" altLang="en-US" smtClean="0"/>
-              <a:t>2021/12/26</a:t>
+              <a:t>2021/12/27</a:t>
             </a:fld>
             <a:endParaRPr lang="zh-TW" altLang="en-US"/>
           </a:p>
@@ -6741,7 +6777,7 @@
           <a:p>
             <a:fld id="{9CFD5223-E741-4CBD-B02A-5B000E15A94E}" type="datetimeFigureOut">
               <a:rPr lang="zh-TW" altLang="en-US" smtClean="0"/>
-              <a:t>2021/12/26</a:t>
+              <a:t>2021/12/27</a:t>
             </a:fld>
             <a:endParaRPr lang="zh-TW" altLang="en-US"/>
           </a:p>
@@ -6911,7 +6947,7 @@
           <a:p>
             <a:fld id="{9CFD5223-E741-4CBD-B02A-5B000E15A94E}" type="datetimeFigureOut">
               <a:rPr lang="zh-TW" altLang="en-US" smtClean="0"/>
-              <a:t>2021/12/26</a:t>
+              <a:t>2021/12/27</a:t>
             </a:fld>
             <a:endParaRPr lang="zh-TW" altLang="en-US"/>
           </a:p>
@@ -7091,7 +7127,7 @@
           <a:p>
             <a:fld id="{9CFD5223-E741-4CBD-B02A-5B000E15A94E}" type="datetimeFigureOut">
               <a:rPr lang="zh-TW" altLang="en-US" smtClean="0"/>
-              <a:t>2021/12/26</a:t>
+              <a:t>2021/12/27</a:t>
             </a:fld>
             <a:endParaRPr lang="zh-TW" altLang="en-US"/>
           </a:p>
@@ -7267,7 +7303,7 @@
           <a:p>
             <a:fld id="{9CFD5223-E741-4CBD-B02A-5B000E15A94E}" type="datetimeFigureOut">
               <a:rPr lang="zh-TW" altLang="en-US" smtClean="0"/>
-              <a:t>2021/12/26</a:t>
+              <a:t>2021/12/27</a:t>
             </a:fld>
             <a:endParaRPr lang="zh-TW" altLang="en-US"/>
           </a:p>
@@ -7514,7 +7550,7 @@
           <a:p>
             <a:fld id="{9CFD5223-E741-4CBD-B02A-5B000E15A94E}" type="datetimeFigureOut">
               <a:rPr lang="zh-TW" altLang="en-US" smtClean="0"/>
-              <a:t>2021/12/26</a:t>
+              <a:t>2021/12/27</a:t>
             </a:fld>
             <a:endParaRPr lang="zh-TW" altLang="en-US"/>
           </a:p>
@@ -7746,7 +7782,7 @@
           <a:p>
             <a:fld id="{9CFD5223-E741-4CBD-B02A-5B000E15A94E}" type="datetimeFigureOut">
               <a:rPr lang="zh-TW" altLang="en-US" smtClean="0"/>
-              <a:t>2021/12/26</a:t>
+              <a:t>2021/12/27</a:t>
             </a:fld>
             <a:endParaRPr lang="zh-TW" altLang="en-US"/>
           </a:p>
@@ -8120,7 +8156,7 @@
           <a:p>
             <a:fld id="{9CFD5223-E741-4CBD-B02A-5B000E15A94E}" type="datetimeFigureOut">
               <a:rPr lang="zh-TW" altLang="en-US" smtClean="0"/>
-              <a:t>2021/12/26</a:t>
+              <a:t>2021/12/27</a:t>
             </a:fld>
             <a:endParaRPr lang="zh-TW" altLang="en-US"/>
           </a:p>
@@ -8243,7 +8279,7 @@
           <a:p>
             <a:fld id="{9CFD5223-E741-4CBD-B02A-5B000E15A94E}" type="datetimeFigureOut">
               <a:rPr lang="zh-TW" altLang="en-US" smtClean="0"/>
-              <a:t>2021/12/26</a:t>
+              <a:t>2021/12/27</a:t>
             </a:fld>
             <a:endParaRPr lang="zh-TW" altLang="en-US"/>
           </a:p>
@@ -8338,7 +8374,7 @@
           <a:p>
             <a:fld id="{9CFD5223-E741-4CBD-B02A-5B000E15A94E}" type="datetimeFigureOut">
               <a:rPr lang="zh-TW" altLang="en-US" smtClean="0"/>
-              <a:t>2021/12/26</a:t>
+              <a:t>2021/12/27</a:t>
             </a:fld>
             <a:endParaRPr lang="zh-TW" altLang="en-US"/>
           </a:p>
@@ -8593,7 +8629,7 @@
           <a:p>
             <a:fld id="{9CFD5223-E741-4CBD-B02A-5B000E15A94E}" type="datetimeFigureOut">
               <a:rPr lang="zh-TW" altLang="en-US" smtClean="0"/>
-              <a:t>2021/12/26</a:t>
+              <a:t>2021/12/27</a:t>
             </a:fld>
             <a:endParaRPr lang="zh-TW" altLang="en-US"/>
           </a:p>
@@ -8856,7 +8892,7 @@
           <a:p>
             <a:fld id="{9CFD5223-E741-4CBD-B02A-5B000E15A94E}" type="datetimeFigureOut">
               <a:rPr lang="zh-TW" altLang="en-US" smtClean="0"/>
-              <a:t>2021/12/26</a:t>
+              <a:t>2021/12/27</a:t>
             </a:fld>
             <a:endParaRPr lang="zh-TW" altLang="en-US"/>
           </a:p>
@@ -9599,7 +9635,7 @@
           <a:p>
             <a:fld id="{9CFD5223-E741-4CBD-B02A-5B000E15A94E}" type="datetimeFigureOut">
               <a:rPr lang="zh-TW" altLang="en-US" smtClean="0"/>
-              <a:t>2021/12/26</a:t>
+              <a:t>2021/12/27</a:t>
             </a:fld>
             <a:endParaRPr lang="zh-TW" altLang="en-US"/>
           </a:p>
@@ -10583,7 +10619,25 @@
               <a:rPr lang="zh-TW" altLang="en-US" dirty="0"/>
               <a:t>排行榜、名稱輸入</a:t>
             </a:r>
-            <a:endParaRPr lang="en-US" altLang="zh-TW" dirty="0"/>
+            <a:r>
+              <a:rPr lang="en-US" altLang="zh-TW" dirty="0"/>
+              <a:t>(</a:t>
+            </a:r>
+            <a:r>
+              <a:rPr lang="zh-TW" altLang="en-US" dirty="0"/>
+              <a:t>尚未實裝</a:t>
+            </a:r>
+            <a:r>
+              <a:rPr lang="en-US" altLang="zh-TW" dirty="0"/>
+              <a:t>)</a:t>
+            </a:r>
+          </a:p>
+          <a:p>
+            <a:pPr lvl="1"/>
+            <a:r>
+              <a:rPr lang="en-US" altLang="zh-TW" dirty="0"/>
+              <a:t>debug</a:t>
+            </a:r>
           </a:p>
           <a:p>
             <a:r>
@@ -10627,6 +10681,13 @@
               <a:t>報告</a:t>
             </a:r>
             <a:endParaRPr lang="en-US" altLang="zh-TW" dirty="0"/>
+          </a:p>
+          <a:p>
+            <a:pPr lvl="1"/>
+            <a:r>
+              <a:rPr lang="en-US" altLang="zh-TW" dirty="0"/>
+              <a:t>debug</a:t>
+            </a:r>
           </a:p>
         </p:txBody>
       </p:sp>
@@ -10652,7 +10713,7 @@
         </p:blipFill>
         <p:spPr>
           <a:xfrm>
-            <a:off x="490862" y="1704728"/>
+            <a:off x="423421" y="2015561"/>
             <a:ext cx="11210276" cy="3448543"/>
           </a:xfrm>
           <a:prstGeom prst="rect">
@@ -11899,7 +11960,7 @@
             <p:ph idx="1"/>
             <p:extLst>
               <p:ext uri="{D42A27DB-BD31-4B8C-83A1-F6EECF244321}">
-                <p14:modId xmlns:p14="http://schemas.microsoft.com/office/powerpoint/2010/main" val="2420587196"/>
+                <p14:modId xmlns:p14="http://schemas.microsoft.com/office/powerpoint/2010/main" val="1104416901"/>
               </p:ext>
             </p:extLst>
           </p:nvPr>
